--- a/129 - God, the Source of Light and Beauty.pptx
+++ b/129 - God, the Source of Light and Beauty.pptx
@@ -114,10 +114,6 @@
 </p:presentation>
 </file>
 
-<file path=ppt/revisionInfo.xml><?xml version="1.0" encoding="utf-8"?>
-<p1510:revInfo xmlns:a="http://schemas.openxmlformats.org/drawingml/2006/main" xmlns:r="http://schemas.openxmlformats.org/officeDocument/2006/relationships" xmlns:p1510="http://schemas.microsoft.com/office/powerpoint/2015/10/main"/>
-</file>
-
 <file path=ppt/slideLayouts/slideLayout1.xml><?xml version="1.0" encoding="utf-8"?>
 <p:sldLayout xmlns:a="http://schemas.openxmlformats.org/drawingml/2006/main" xmlns:r="http://schemas.openxmlformats.org/officeDocument/2006/relationships" xmlns:p="http://schemas.openxmlformats.org/presentationml/2006/main" type="title" preserve="1">
   <p:cSld name="Title Slide">
@@ -247,7 +243,7 @@
           <a:p>
             <a:fld id="{32F7251A-AE54-443C-B8FE-5F636E835EBF}" type="datetimeFigureOut">
               <a:rPr lang="en-US" smtClean="0"/>
-              <a:t>7/23/2017</a:t>
+              <a:t>8/9/2020</a:t>
             </a:fld>
             <a:endParaRPr lang="en-US"/>
           </a:p>
@@ -415,7 +411,7 @@
           <a:p>
             <a:fld id="{32F7251A-AE54-443C-B8FE-5F636E835EBF}" type="datetimeFigureOut">
               <a:rPr lang="en-US" smtClean="0"/>
-              <a:t>7/23/2017</a:t>
+              <a:t>8/9/2020</a:t>
             </a:fld>
             <a:endParaRPr lang="en-US"/>
           </a:p>
@@ -593,7 +589,7 @@
           <a:p>
             <a:fld id="{32F7251A-AE54-443C-B8FE-5F636E835EBF}" type="datetimeFigureOut">
               <a:rPr lang="en-US" smtClean="0"/>
-              <a:t>7/23/2017</a:t>
+              <a:t>8/9/2020</a:t>
             </a:fld>
             <a:endParaRPr lang="en-US"/>
           </a:p>
@@ -761,7 +757,7 @@
           <a:p>
             <a:fld id="{32F7251A-AE54-443C-B8FE-5F636E835EBF}" type="datetimeFigureOut">
               <a:rPr lang="en-US" smtClean="0"/>
-              <a:t>7/23/2017</a:t>
+              <a:t>8/9/2020</a:t>
             </a:fld>
             <a:endParaRPr lang="en-US"/>
           </a:p>
@@ -1006,7 +1002,7 @@
           <a:p>
             <a:fld id="{32F7251A-AE54-443C-B8FE-5F636E835EBF}" type="datetimeFigureOut">
               <a:rPr lang="en-US" smtClean="0"/>
-              <a:t>7/23/2017</a:t>
+              <a:t>8/9/2020</a:t>
             </a:fld>
             <a:endParaRPr lang="en-US"/>
           </a:p>
@@ -1235,7 +1231,7 @@
           <a:p>
             <a:fld id="{32F7251A-AE54-443C-B8FE-5F636E835EBF}" type="datetimeFigureOut">
               <a:rPr lang="en-US" smtClean="0"/>
-              <a:t>7/23/2017</a:t>
+              <a:t>8/9/2020</a:t>
             </a:fld>
             <a:endParaRPr lang="en-US"/>
           </a:p>
@@ -1599,7 +1595,7 @@
           <a:p>
             <a:fld id="{32F7251A-AE54-443C-B8FE-5F636E835EBF}" type="datetimeFigureOut">
               <a:rPr lang="en-US" smtClean="0"/>
-              <a:t>7/23/2017</a:t>
+              <a:t>8/9/2020</a:t>
             </a:fld>
             <a:endParaRPr lang="en-US"/>
           </a:p>
@@ -1716,7 +1712,7 @@
           <a:p>
             <a:fld id="{32F7251A-AE54-443C-B8FE-5F636E835EBF}" type="datetimeFigureOut">
               <a:rPr lang="en-US" smtClean="0"/>
-              <a:t>7/23/2017</a:t>
+              <a:t>8/9/2020</a:t>
             </a:fld>
             <a:endParaRPr lang="en-US"/>
           </a:p>
@@ -1811,7 +1807,7 @@
           <a:p>
             <a:fld id="{32F7251A-AE54-443C-B8FE-5F636E835EBF}" type="datetimeFigureOut">
               <a:rPr lang="en-US" smtClean="0"/>
-              <a:t>7/23/2017</a:t>
+              <a:t>8/9/2020</a:t>
             </a:fld>
             <a:endParaRPr lang="en-US"/>
           </a:p>
@@ -2086,7 +2082,7 @@
           <a:p>
             <a:fld id="{32F7251A-AE54-443C-B8FE-5F636E835EBF}" type="datetimeFigureOut">
               <a:rPr lang="en-US" smtClean="0"/>
-              <a:t>7/23/2017</a:t>
+              <a:t>8/9/2020</a:t>
             </a:fld>
             <a:endParaRPr lang="en-US"/>
           </a:p>
@@ -2338,7 +2334,7 @@
           <a:p>
             <a:fld id="{32F7251A-AE54-443C-B8FE-5F636E835EBF}" type="datetimeFigureOut">
               <a:rPr lang="en-US" smtClean="0"/>
-              <a:t>7/23/2017</a:t>
+              <a:t>8/9/2020</a:t>
             </a:fld>
             <a:endParaRPr lang="en-US"/>
           </a:p>
@@ -2405,7 +2401,9 @@
     <p:bg>
       <p:bgPr>
         <a:solidFill>
-          <a:srgbClr val="333333"/>
+          <a:schemeClr val="bg1">
+            <a:lumMod val="10000"/>
+          </a:schemeClr>
         </a:solidFill>
         <a:effectLst/>
       </p:bgPr>
@@ -2552,7 +2550,7 @@
           <a:p>
             <a:fld id="{32F7251A-AE54-443C-B8FE-5F636E835EBF}" type="datetimeFigureOut">
               <a:rPr lang="en-US" smtClean="0"/>
-              <a:t>7/23/2017</a:t>
+              <a:t>8/9/2020</a:t>
             </a:fld>
             <a:endParaRPr lang="en-US"/>
           </a:p>
@@ -3022,8 +3020,8 @@
         </p:nvSpPr>
         <p:spPr>
           <a:xfrm>
-            <a:off x="0" y="5804209"/>
-            <a:ext cx="12192000" cy="830997"/>
+            <a:off x="0" y="5927320"/>
+            <a:ext cx="12192000" cy="584775"/>
           </a:xfrm>
           <a:prstGeom prst="rect">
             <a:avLst/>
@@ -3038,10 +3036,12 @@
           <a:p>
             <a:pPr algn="ctr"/>
             <a:r>
-              <a:rPr lang="en-US" sz="4800" dirty="0">
+              <a:rPr lang="en-US" sz="3200" u="sng" dirty="0">
                 <a:solidFill>
                   <a:schemeClr val="bg1"/>
                 </a:solidFill>
+                <a:latin typeface="Assistant SemiBold" panose="00000700000000000000" pitchFamily="2" charset="-79"/>
+                <a:cs typeface="Assistant SemiBold" panose="00000700000000000000" pitchFamily="2" charset="-79"/>
               </a:rPr>
               <a:t>“God, the Source of Light and Beauty”</a:t>
             </a:r>
@@ -3056,8 +3056,8 @@
         </p:nvSpPr>
         <p:spPr>
           <a:xfrm>
-            <a:off x="0" y="334672"/>
-            <a:ext cx="12192000" cy="5078313"/>
+            <a:off x="0" y="729571"/>
+            <a:ext cx="12192000" cy="3970318"/>
           </a:xfrm>
           <a:prstGeom prst="rect">
             <a:avLst/>
@@ -3072,10 +3072,12 @@
           <a:p>
             <a:pPr algn="ctr"/>
             <a:r>
-              <a:rPr lang="en-US" sz="3600" dirty="0">
+              <a:rPr lang="en-US" sz="2800" spc="50" dirty="0">
                 <a:solidFill>
                   <a:schemeClr val="bg1"/>
                 </a:solidFill>
+                <a:latin typeface="Assistant" panose="00000500000000000000" pitchFamily="2" charset="-79"/>
+                <a:cs typeface="Assistant" panose="00000500000000000000" pitchFamily="2" charset="-79"/>
               </a:rPr>
               <a:t>God, the source of light and beauty,</a:t>
             </a:r>
@@ -3083,10 +3085,12 @@
           <a:p>
             <a:pPr algn="ctr"/>
             <a:r>
-              <a:rPr lang="en-US" sz="3600" dirty="0">
+              <a:rPr lang="en-US" sz="2800" spc="50" dirty="0">
                 <a:solidFill>
                   <a:schemeClr val="bg1"/>
                 </a:solidFill>
+                <a:latin typeface="Assistant" panose="00000500000000000000" pitchFamily="2" charset="-79"/>
+                <a:cs typeface="Assistant" panose="00000500000000000000" pitchFamily="2" charset="-79"/>
               </a:rPr>
               <a:t>Grant response in sense and sight;</a:t>
             </a:r>
@@ -3094,10 +3098,12 @@
           <a:p>
             <a:pPr algn="ctr"/>
             <a:r>
-              <a:rPr lang="en-US" sz="3600" dirty="0">
+              <a:rPr lang="en-US" sz="2800" spc="50" dirty="0">
                 <a:solidFill>
                   <a:schemeClr val="bg1"/>
                 </a:solidFill>
+                <a:latin typeface="Assistant" panose="00000500000000000000" pitchFamily="2" charset="-79"/>
+                <a:cs typeface="Assistant" panose="00000500000000000000" pitchFamily="2" charset="-79"/>
               </a:rPr>
               <a:t>Stir our minds to follow duty</a:t>
             </a:r>
@@ -3105,29 +3111,35 @@
           <a:p>
             <a:pPr algn="ctr"/>
             <a:r>
-              <a:rPr lang="en-US" sz="3600" dirty="0">
+              <a:rPr lang="en-US" sz="2800" spc="50" dirty="0">
                 <a:solidFill>
                   <a:schemeClr val="bg1"/>
                 </a:solidFill>
+                <a:latin typeface="Assistant" panose="00000500000000000000" pitchFamily="2" charset="-79"/>
+                <a:cs typeface="Assistant" panose="00000500000000000000" pitchFamily="2" charset="-79"/>
               </a:rPr>
               <a:t>Rouse our souls from earthborn night;</a:t>
             </a:r>
           </a:p>
           <a:p>
             <a:pPr algn="ctr"/>
-            <a:endParaRPr lang="en-US" sz="3600" dirty="0">
+            <a:endParaRPr lang="en-US" sz="2800" spc="50" dirty="0">
               <a:solidFill>
                 <a:schemeClr val="bg1"/>
               </a:solidFill>
+              <a:latin typeface="Assistant" panose="00000500000000000000" pitchFamily="2" charset="-79"/>
+              <a:cs typeface="Assistant" panose="00000500000000000000" pitchFamily="2" charset="-79"/>
             </a:endParaRPr>
           </a:p>
           <a:p>
             <a:pPr algn="ctr"/>
             <a:r>
-              <a:rPr lang="en-US" sz="3600" dirty="0">
+              <a:rPr lang="en-US" sz="2800" spc="50" dirty="0">
                 <a:solidFill>
                   <a:schemeClr val="bg1"/>
                 </a:solidFill>
+                <a:latin typeface="Assistant" panose="00000500000000000000" pitchFamily="2" charset="-79"/>
+                <a:cs typeface="Assistant" panose="00000500000000000000" pitchFamily="2" charset="-79"/>
               </a:rPr>
               <a:t>Give us through our clouded vision</a:t>
             </a:r>
@@ -3135,10 +3147,12 @@
           <a:p>
             <a:pPr algn="ctr"/>
             <a:r>
-              <a:rPr lang="en-US" sz="3600" dirty="0">
+              <a:rPr lang="en-US" sz="2800" spc="50" dirty="0">
                 <a:solidFill>
                   <a:schemeClr val="bg1"/>
                 </a:solidFill>
+                <a:latin typeface="Assistant" panose="00000500000000000000" pitchFamily="2" charset="-79"/>
+                <a:cs typeface="Assistant" panose="00000500000000000000" pitchFamily="2" charset="-79"/>
               </a:rPr>
               <a:t>Clearer knowledge of Thy will,</a:t>
             </a:r>
@@ -3146,18 +3160,22 @@
           <a:p>
             <a:pPr algn="ctr"/>
             <a:r>
-              <a:rPr lang="en-US" sz="3600" dirty="0" err="1">
+              <a:rPr lang="en-US" sz="2800" spc="50" dirty="0" err="1">
                 <a:solidFill>
                   <a:schemeClr val="bg1"/>
                 </a:solidFill>
+                <a:latin typeface="Assistant" panose="00000500000000000000" pitchFamily="2" charset="-79"/>
+                <a:cs typeface="Assistant" panose="00000500000000000000" pitchFamily="2" charset="-79"/>
               </a:rPr>
               <a:t>‘Til</a:t>
             </a:r>
             <a:r>
-              <a:rPr lang="en-US" sz="3600" dirty="0">
+              <a:rPr lang="en-US" sz="2800" spc="50" dirty="0">
                 <a:solidFill>
                   <a:schemeClr val="bg1"/>
                 </a:solidFill>
+                <a:latin typeface="Assistant" panose="00000500000000000000" pitchFamily="2" charset="-79"/>
+                <a:cs typeface="Assistant" panose="00000500000000000000" pitchFamily="2" charset="-79"/>
               </a:rPr>
               <a:t> Thine undefeated purpose</a:t>
             </a:r>
@@ -3165,10 +3183,12 @@
           <a:p>
             <a:pPr algn="ctr"/>
             <a:r>
-              <a:rPr lang="en-US" sz="3600" dirty="0">
+              <a:rPr lang="en-US" sz="2800" spc="50" dirty="0">
                 <a:solidFill>
                   <a:schemeClr val="bg1"/>
                 </a:solidFill>
+                <a:latin typeface="Assistant" panose="00000500000000000000" pitchFamily="2" charset="-79"/>
+                <a:cs typeface="Assistant" panose="00000500000000000000" pitchFamily="2" charset="-79"/>
               </a:rPr>
               <a:t>Through our lives Thou shalt fulfill.</a:t>
             </a:r>
@@ -3270,8 +3290,8 @@
         </p:nvSpPr>
         <p:spPr>
           <a:xfrm>
-            <a:off x="0" y="5804209"/>
-            <a:ext cx="12192000" cy="830997"/>
+            <a:off x="0" y="5927320"/>
+            <a:ext cx="12192000" cy="584775"/>
           </a:xfrm>
           <a:prstGeom prst="rect">
             <a:avLst/>
@@ -3286,10 +3306,12 @@
           <a:p>
             <a:pPr algn="ctr"/>
             <a:r>
-              <a:rPr lang="en-US" sz="4800" dirty="0">
+              <a:rPr lang="en-US" sz="3200" u="sng" dirty="0">
                 <a:solidFill>
                   <a:schemeClr val="bg1"/>
                 </a:solidFill>
+                <a:latin typeface="Assistant SemiBold" panose="00000700000000000000" pitchFamily="2" charset="-79"/>
+                <a:cs typeface="Assistant SemiBold" panose="00000700000000000000" pitchFamily="2" charset="-79"/>
               </a:rPr>
               <a:t>“God, the Source of Light and Beauty”</a:t>
             </a:r>
@@ -3304,8 +3326,8 @@
         </p:nvSpPr>
         <p:spPr>
           <a:xfrm>
-            <a:off x="0" y="334672"/>
-            <a:ext cx="12192000" cy="5078313"/>
+            <a:off x="0" y="729571"/>
+            <a:ext cx="12192000" cy="3970318"/>
           </a:xfrm>
           <a:prstGeom prst="rect">
             <a:avLst/>
@@ -3320,10 +3342,12 @@
           <a:p>
             <a:pPr algn="ctr"/>
             <a:r>
-              <a:rPr lang="en-US" sz="3600" dirty="0">
+              <a:rPr lang="en-US" sz="2800" spc="50" dirty="0">
                 <a:solidFill>
                   <a:schemeClr val="bg1"/>
                 </a:solidFill>
+                <a:latin typeface="Assistant" panose="00000500000000000000" pitchFamily="2" charset="-79"/>
+                <a:cs typeface="Assistant" panose="00000500000000000000" pitchFamily="2" charset="-79"/>
               </a:rPr>
               <a:t>Great Musician of the thunder,</a:t>
             </a:r>
@@ -3331,10 +3355,12 @@
           <a:p>
             <a:pPr algn="ctr"/>
             <a:r>
-              <a:rPr lang="en-US" sz="3600" dirty="0">
+              <a:rPr lang="en-US" sz="2800" spc="50" dirty="0">
                 <a:solidFill>
                   <a:schemeClr val="bg1"/>
                 </a:solidFill>
+                <a:latin typeface="Assistant" panose="00000500000000000000" pitchFamily="2" charset="-79"/>
+                <a:cs typeface="Assistant" panose="00000500000000000000" pitchFamily="2" charset="-79"/>
               </a:rPr>
               <a:t>Builder of the mountain range,</a:t>
             </a:r>
@@ -3342,10 +3368,12 @@
           <a:p>
             <a:pPr algn="ctr"/>
             <a:r>
-              <a:rPr lang="en-US" sz="3600" dirty="0">
+              <a:rPr lang="en-US" sz="2800" spc="50" dirty="0">
                 <a:solidFill>
                   <a:schemeClr val="bg1"/>
                 </a:solidFill>
+                <a:latin typeface="Assistant" panose="00000500000000000000" pitchFamily="2" charset="-79"/>
+                <a:cs typeface="Assistant" panose="00000500000000000000" pitchFamily="2" charset="-79"/>
               </a:rPr>
               <a:t>Painter of the sunset’s splendor,</a:t>
             </a:r>
@@ -3353,29 +3381,35 @@
           <a:p>
             <a:pPr algn="ctr"/>
             <a:r>
-              <a:rPr lang="en-US" sz="3600" dirty="0">
+              <a:rPr lang="en-US" sz="2800" spc="50" dirty="0">
                 <a:solidFill>
                   <a:schemeClr val="bg1"/>
                 </a:solidFill>
+                <a:latin typeface="Assistant" panose="00000500000000000000" pitchFamily="2" charset="-79"/>
+                <a:cs typeface="Assistant" panose="00000500000000000000" pitchFamily="2" charset="-79"/>
               </a:rPr>
               <a:t>Planner of the season’s change,</a:t>
             </a:r>
           </a:p>
           <a:p>
             <a:pPr algn="ctr"/>
-            <a:endParaRPr lang="en-US" sz="3600" dirty="0">
+            <a:endParaRPr lang="en-US" sz="2800" spc="50" dirty="0">
               <a:solidFill>
                 <a:schemeClr val="bg1"/>
               </a:solidFill>
+              <a:latin typeface="Assistant" panose="00000500000000000000" pitchFamily="2" charset="-79"/>
+              <a:cs typeface="Assistant" panose="00000500000000000000" pitchFamily="2" charset="-79"/>
             </a:endParaRPr>
           </a:p>
           <a:p>
             <a:pPr algn="ctr"/>
             <a:r>
-              <a:rPr lang="en-US" sz="3600" dirty="0">
+              <a:rPr lang="en-US" sz="2800" spc="50" dirty="0">
                 <a:solidFill>
                   <a:schemeClr val="bg1"/>
                 </a:solidFill>
+                <a:latin typeface="Assistant" panose="00000500000000000000" pitchFamily="2" charset="-79"/>
+                <a:cs typeface="Assistant" panose="00000500000000000000" pitchFamily="2" charset="-79"/>
               </a:rPr>
               <a:t>Help us fill our lives with beauty;</a:t>
             </a:r>
@@ -3383,10 +3417,12 @@
           <a:p>
             <a:pPr algn="ctr"/>
             <a:r>
-              <a:rPr lang="en-US" sz="3600" dirty="0">
+              <a:rPr lang="en-US" sz="2800" spc="50" dirty="0">
                 <a:solidFill>
                   <a:schemeClr val="bg1"/>
                 </a:solidFill>
+                <a:latin typeface="Assistant" panose="00000500000000000000" pitchFamily="2" charset="-79"/>
+                <a:cs typeface="Assistant" panose="00000500000000000000" pitchFamily="2" charset="-79"/>
               </a:rPr>
               <a:t>Still the roar of guns and strife;</a:t>
             </a:r>
@@ -3394,10 +3430,12 @@
           <a:p>
             <a:pPr algn="ctr"/>
             <a:r>
-              <a:rPr lang="en-US" sz="3600" dirty="0">
+              <a:rPr lang="en-US" sz="2800" spc="50" dirty="0">
                 <a:solidFill>
                   <a:schemeClr val="bg1"/>
                 </a:solidFill>
+                <a:latin typeface="Assistant" panose="00000500000000000000" pitchFamily="2" charset="-79"/>
+                <a:cs typeface="Assistant" panose="00000500000000000000" pitchFamily="2" charset="-79"/>
               </a:rPr>
               <a:t>Build Thy kingdom of the future</a:t>
             </a:r>
@@ -3405,10 +3443,12 @@
           <a:p>
             <a:pPr algn="ctr"/>
             <a:r>
-              <a:rPr lang="en-US" sz="3600" dirty="0">
+              <a:rPr lang="en-US" sz="2800" spc="50" dirty="0">
                 <a:solidFill>
                   <a:schemeClr val="bg1"/>
                 </a:solidFill>
+                <a:latin typeface="Assistant" panose="00000500000000000000" pitchFamily="2" charset="-79"/>
+                <a:cs typeface="Assistant" panose="00000500000000000000" pitchFamily="2" charset="-79"/>
               </a:rPr>
               <a:t>Here within our daily life.</a:t>
             </a:r>
@@ -3510,8 +3550,8 @@
         </p:nvSpPr>
         <p:spPr>
           <a:xfrm>
-            <a:off x="0" y="5804209"/>
-            <a:ext cx="12192000" cy="830997"/>
+            <a:off x="0" y="5927320"/>
+            <a:ext cx="12192000" cy="584775"/>
           </a:xfrm>
           <a:prstGeom prst="rect">
             <a:avLst/>
@@ -3526,10 +3566,12 @@
           <a:p>
             <a:pPr algn="ctr"/>
             <a:r>
-              <a:rPr lang="en-US" sz="4800" dirty="0">
+              <a:rPr lang="en-US" sz="3200" u="sng" dirty="0">
                 <a:solidFill>
                   <a:schemeClr val="bg1"/>
                 </a:solidFill>
+                <a:latin typeface="Assistant SemiBold" panose="00000700000000000000" pitchFamily="2" charset="-79"/>
+                <a:cs typeface="Assistant SemiBold" panose="00000700000000000000" pitchFamily="2" charset="-79"/>
               </a:rPr>
               <a:t>“God, the Source of Light and Beauty”</a:t>
             </a:r>
@@ -3544,8 +3586,8 @@
         </p:nvSpPr>
         <p:spPr>
           <a:xfrm>
-            <a:off x="0" y="334672"/>
-            <a:ext cx="12192000" cy="5078313"/>
+            <a:off x="0" y="729571"/>
+            <a:ext cx="12192000" cy="3970318"/>
           </a:xfrm>
           <a:prstGeom prst="rect">
             <a:avLst/>
@@ -3560,10 +3602,12 @@
           <a:p>
             <a:pPr algn="ctr"/>
             <a:r>
-              <a:rPr lang="en-US" sz="3600" dirty="0">
+              <a:rPr lang="en-US" sz="2800" spc="50" dirty="0">
                 <a:solidFill>
                   <a:schemeClr val="bg1"/>
                 </a:solidFill>
+                <a:latin typeface="Assistant" panose="00000500000000000000" pitchFamily="2" charset="-79"/>
+                <a:cs typeface="Assistant" panose="00000500000000000000" pitchFamily="2" charset="-79"/>
               </a:rPr>
               <a:t>Author of creation’s being,</a:t>
             </a:r>
@@ -3571,100 +3615,100 @@
           <a:p>
             <a:pPr algn="ctr"/>
             <a:r>
-              <a:rPr lang="en-US" sz="3600" dirty="0">
+              <a:rPr lang="en-US" sz="2800" spc="50" dirty="0">
                 <a:solidFill>
                   <a:schemeClr val="bg1"/>
                 </a:solidFill>
+                <a:latin typeface="Assistant" panose="00000500000000000000" pitchFamily="2" charset="-79"/>
+                <a:cs typeface="Assistant" panose="00000500000000000000" pitchFamily="2" charset="-79"/>
               </a:rPr>
-              <a:t>Thou hast </a:t>
-            </a:r>
-            <a:r>
-              <a:rPr lang="en-US" sz="3600">
+              <a:t>Thou hast shared our pain and loss;</a:t>
+            </a:r>
+          </a:p>
+          <a:p>
+            <a:pPr algn="ctr"/>
+            <a:r>
+              <a:rPr lang="en-US" sz="2800" spc="50" dirty="0">
                 <a:solidFill>
                   <a:schemeClr val="bg1"/>
                 </a:solidFill>
+                <a:latin typeface="Assistant" panose="00000500000000000000" pitchFamily="2" charset="-79"/>
+                <a:cs typeface="Assistant" panose="00000500000000000000" pitchFamily="2" charset="-79"/>
               </a:rPr>
-              <a:t>shared our </a:t>
-            </a:r>
-            <a:r>
-              <a:rPr lang="en-US" sz="3600" dirty="0">
+              <a:t>Though Christ’s gallant life of service</a:t>
+            </a:r>
+          </a:p>
+          <a:p>
+            <a:pPr algn="ctr"/>
+            <a:r>
+              <a:rPr lang="en-US" sz="2800" spc="50" dirty="0">
                 <a:solidFill>
                   <a:schemeClr val="bg1"/>
                 </a:solidFill>
+                <a:latin typeface="Assistant" panose="00000500000000000000" pitchFamily="2" charset="-79"/>
+                <a:cs typeface="Assistant" panose="00000500000000000000" pitchFamily="2" charset="-79"/>
               </a:rPr>
-              <a:t>pain and loss;</a:t>
+              <a:t>Shines the radiance of the cross.</a:t>
             </a:r>
           </a:p>
           <a:p>
             <a:pPr algn="ctr"/>
-            <a:r>
-              <a:rPr lang="en-US" sz="3600" dirty="0">
+            <a:endParaRPr lang="en-US" sz="2800" spc="50" dirty="0">
+              <a:solidFill>
+                <a:schemeClr val="bg1"/>
+              </a:solidFill>
+              <a:latin typeface="Assistant" panose="00000500000000000000" pitchFamily="2" charset="-79"/>
+              <a:cs typeface="Assistant" panose="00000500000000000000" pitchFamily="2" charset="-79"/>
+            </a:endParaRPr>
+          </a:p>
+          <a:p>
+            <a:pPr algn="ctr"/>
+            <a:r>
+              <a:rPr lang="en-US" sz="2800" spc="50" dirty="0">
                 <a:solidFill>
                   <a:schemeClr val="bg1"/>
                 </a:solidFill>
+                <a:latin typeface="Assistant" panose="00000500000000000000" pitchFamily="2" charset="-79"/>
+                <a:cs typeface="Assistant" panose="00000500000000000000" pitchFamily="2" charset="-79"/>
               </a:rPr>
-              <a:t>Though Christ’s gallant life of service</a:t>
+              <a:t>God, the source of light and beauty,</a:t>
             </a:r>
           </a:p>
           <a:p>
             <a:pPr algn="ctr"/>
             <a:r>
-              <a:rPr lang="en-US" sz="3600" dirty="0">
+              <a:rPr lang="en-US" sz="2800" spc="50" dirty="0">
                 <a:solidFill>
                   <a:schemeClr val="bg1"/>
                 </a:solidFill>
+                <a:latin typeface="Assistant" panose="00000500000000000000" pitchFamily="2" charset="-79"/>
+                <a:cs typeface="Assistant" panose="00000500000000000000" pitchFamily="2" charset="-79"/>
               </a:rPr>
-              <a:t>Shines the radiance of the cross.</a:t>
+              <a:t>Faith assures Thy reign above.</a:t>
             </a:r>
           </a:p>
           <a:p>
             <a:pPr algn="ctr"/>
-            <a:endParaRPr lang="en-US" sz="3600" dirty="0">
-              <a:solidFill>
-                <a:schemeClr val="bg1"/>
-              </a:solidFill>
-            </a:endParaRPr>
-          </a:p>
-          <a:p>
-            <a:pPr algn="ctr"/>
-            <a:r>
-              <a:rPr lang="en-US" sz="3600" dirty="0">
+            <a:r>
+              <a:rPr lang="en-US" sz="2800" spc="50" dirty="0">
                 <a:solidFill>
                   <a:schemeClr val="bg1"/>
                 </a:solidFill>
+                <a:latin typeface="Assistant" panose="00000500000000000000" pitchFamily="2" charset="-79"/>
+                <a:cs typeface="Assistant" panose="00000500000000000000" pitchFamily="2" charset="-79"/>
               </a:rPr>
-              <a:t>God, the source of light and beauty,</a:t>
+              <a:t>Here on Earth we need Thy presence</a:t>
             </a:r>
           </a:p>
           <a:p>
             <a:pPr algn="ctr"/>
             <a:r>
-              <a:rPr lang="en-US" sz="3600" dirty="0">
+              <a:rPr lang="en-US" sz="2800" spc="50" dirty="0">
                 <a:solidFill>
                   <a:schemeClr val="bg1"/>
                 </a:solidFill>
-              </a:rPr>
-              <a:t>Faith assures Thy reign above.</a:t>
-            </a:r>
-          </a:p>
-          <a:p>
-            <a:pPr algn="ctr"/>
-            <a:r>
-              <a:rPr lang="en-US" sz="3600" dirty="0">
-                <a:solidFill>
-                  <a:schemeClr val="bg1"/>
-                </a:solidFill>
-              </a:rPr>
-              <a:t>Here on Earth we need Thy presence</a:t>
-            </a:r>
-          </a:p>
-          <a:p>
-            <a:pPr algn="ctr"/>
-            <a:r>
-              <a:rPr lang="en-US" sz="3600" dirty="0">
-                <a:solidFill>
-                  <a:schemeClr val="bg1"/>
-                </a:solidFill>
+                <a:latin typeface="Assistant" panose="00000500000000000000" pitchFamily="2" charset="-79"/>
+                <a:cs typeface="Assistant" panose="00000500000000000000" pitchFamily="2" charset="-79"/>
               </a:rPr>
               <a:t>Teach us how to walk in love.</a:t>
             </a:r>
